--- a/Resultados/Presnatacion.pptx
+++ b/Resultados/Presnatacion.pptx
@@ -7308,13 +7308,13 @@
         </p:spPr>
         <p:txBody>
           <a:bodyPr anchor="b">
-            <a:normAutofit/>
+            <a:normAutofit fontScale="90000"/>
           </a:bodyPr>
           <a:lstStyle/>
           <a:p>
             <a:r>
               <a:rPr lang="en-MX" sz="6000" dirty="0"/>
-              <a:t>Modelando Modelo</a:t>
+              <a:t>Optimizción de rutas de entrega</a:t>
             </a:r>
           </a:p>
         </p:txBody>
@@ -7349,7 +7349,7 @@
           <a:p>
             <a:r>
               <a:rPr lang="en-MX" dirty="0"/>
-              <a:t>Optimizción de rutas de entrega</a:t>
+              <a:t>Modelando Modelo</a:t>
             </a:r>
           </a:p>
         </p:txBody>
